--- a/Barroc IT - Documentatie/Steven/Applicatie.pptx
+++ b/Barroc IT - Documentatie/Steven/Applicatie.pptx
@@ -293,7 +293,7 @@
           <a:p>
             <a:fld id="{F2DE83D7-8144-4881-B1CD-7CDD2AE99202}" type="datetimeFigureOut">
               <a:rPr lang="nl-NL" smtClean="0"/>
-              <a:t>6-11-2015</a:t>
+              <a:t>10-11-2015</a:t>
             </a:fld>
             <a:endParaRPr lang="nl-NL"/>
           </a:p>
@@ -463,7 +463,7 @@
           <a:p>
             <a:fld id="{F2DE83D7-8144-4881-B1CD-7CDD2AE99202}" type="datetimeFigureOut">
               <a:rPr lang="nl-NL" smtClean="0"/>
-              <a:t>6-11-2015</a:t>
+              <a:t>10-11-2015</a:t>
             </a:fld>
             <a:endParaRPr lang="nl-NL"/>
           </a:p>
@@ -643,7 +643,7 @@
           <a:p>
             <a:fld id="{F2DE83D7-8144-4881-B1CD-7CDD2AE99202}" type="datetimeFigureOut">
               <a:rPr lang="nl-NL" smtClean="0"/>
-              <a:t>6-11-2015</a:t>
+              <a:t>10-11-2015</a:t>
             </a:fld>
             <a:endParaRPr lang="nl-NL"/>
           </a:p>
@@ -813,7 +813,7 @@
           <a:p>
             <a:fld id="{F2DE83D7-8144-4881-B1CD-7CDD2AE99202}" type="datetimeFigureOut">
               <a:rPr lang="nl-NL" smtClean="0"/>
-              <a:t>6-11-2015</a:t>
+              <a:t>10-11-2015</a:t>
             </a:fld>
             <a:endParaRPr lang="nl-NL"/>
           </a:p>
@@ -1059,7 +1059,7 @@
           <a:p>
             <a:fld id="{F2DE83D7-8144-4881-B1CD-7CDD2AE99202}" type="datetimeFigureOut">
               <a:rPr lang="nl-NL" smtClean="0"/>
-              <a:t>6-11-2015</a:t>
+              <a:t>10-11-2015</a:t>
             </a:fld>
             <a:endParaRPr lang="nl-NL"/>
           </a:p>
@@ -1347,7 +1347,7 @@
           <a:p>
             <a:fld id="{F2DE83D7-8144-4881-B1CD-7CDD2AE99202}" type="datetimeFigureOut">
               <a:rPr lang="nl-NL" smtClean="0"/>
-              <a:t>6-11-2015</a:t>
+              <a:t>10-11-2015</a:t>
             </a:fld>
             <a:endParaRPr lang="nl-NL"/>
           </a:p>
@@ -1769,7 +1769,7 @@
           <a:p>
             <a:fld id="{F2DE83D7-8144-4881-B1CD-7CDD2AE99202}" type="datetimeFigureOut">
               <a:rPr lang="nl-NL" smtClean="0"/>
-              <a:t>6-11-2015</a:t>
+              <a:t>10-11-2015</a:t>
             </a:fld>
             <a:endParaRPr lang="nl-NL"/>
           </a:p>
@@ -1887,7 +1887,7 @@
           <a:p>
             <a:fld id="{F2DE83D7-8144-4881-B1CD-7CDD2AE99202}" type="datetimeFigureOut">
               <a:rPr lang="nl-NL" smtClean="0"/>
-              <a:t>6-11-2015</a:t>
+              <a:t>10-11-2015</a:t>
             </a:fld>
             <a:endParaRPr lang="nl-NL"/>
           </a:p>
@@ -1982,7 +1982,7 @@
           <a:p>
             <a:fld id="{F2DE83D7-8144-4881-B1CD-7CDD2AE99202}" type="datetimeFigureOut">
               <a:rPr lang="nl-NL" smtClean="0"/>
-              <a:t>6-11-2015</a:t>
+              <a:t>10-11-2015</a:t>
             </a:fld>
             <a:endParaRPr lang="nl-NL"/>
           </a:p>
@@ -2259,7 +2259,7 @@
           <a:p>
             <a:fld id="{F2DE83D7-8144-4881-B1CD-7CDD2AE99202}" type="datetimeFigureOut">
               <a:rPr lang="nl-NL" smtClean="0"/>
-              <a:t>6-11-2015</a:t>
+              <a:t>10-11-2015</a:t>
             </a:fld>
             <a:endParaRPr lang="nl-NL"/>
           </a:p>
@@ -2512,7 +2512,7 @@
           <a:p>
             <a:fld id="{F2DE83D7-8144-4881-B1CD-7CDD2AE99202}" type="datetimeFigureOut">
               <a:rPr lang="nl-NL" smtClean="0"/>
-              <a:t>6-11-2015</a:t>
+              <a:t>10-11-2015</a:t>
             </a:fld>
             <a:endParaRPr lang="nl-NL"/>
           </a:p>
@@ -2725,7 +2725,7 @@
           <a:p>
             <a:fld id="{F2DE83D7-8144-4881-B1CD-7CDD2AE99202}" type="datetimeFigureOut">
               <a:rPr lang="nl-NL" smtClean="0"/>
-              <a:t>6-11-2015</a:t>
+              <a:t>10-11-2015</a:t>
             </a:fld>
             <a:endParaRPr lang="nl-NL"/>
           </a:p>
@@ -3156,8 +3156,8 @@
               <a:t>Tom </a:t>
             </a:r>
             <a:r>
-              <a:rPr lang="nl-NL" dirty="0" err="1" smtClean="0"/>
-              <a:t>Smitch</a:t>
+              <a:rPr lang="nl-NL" dirty="0" smtClean="0"/>
+              <a:t>Smits</a:t>
             </a:r>
             <a:endParaRPr lang="nl-NL" dirty="0" smtClean="0"/>
           </a:p>
@@ -3194,6 +3194,13 @@
   <p:clrMapOvr>
     <a:masterClrMapping/>
   </p:clrMapOvr>
+  <p:timing>
+    <p:tnLst>
+      <p:par>
+        <p:cTn id="1" dur="indefinite" restart="never" nodeType="tmRoot"/>
+      </p:par>
+    </p:tnLst>
+  </p:timing>
 </p:sld>
 </file>
 
@@ -3343,46 +3350,74 @@
             </a:pPr>
             <a:r>
               <a:rPr lang="nl-NL" dirty="0" err="1" smtClean="0"/>
-              <a:t>Admin</a:t>
+              <a:t>Administator</a:t>
             </a:r>
             <a:r>
               <a:rPr lang="nl-NL" dirty="0" smtClean="0"/>
-              <a:t> functie</a:t>
+              <a:t> </a:t>
+            </a:r>
+            <a:r>
+              <a:rPr lang="nl-NL" dirty="0" smtClean="0"/>
+              <a:t>functie</a:t>
             </a:r>
             <a:endParaRPr lang="nl-NL" dirty="0"/>
           </a:p>
         </p:txBody>
       </p:sp>
-      <p:sp>
-        <p:nvSpPr>
-          <p:cNvPr id="5" name="Tekstvak 4"/>
-          <p:cNvSpPr txBox="1"/>
+      <p:pic>
+        <p:nvPicPr>
+          <p:cNvPr id="3" name="Picture 2"/>
+          <p:cNvPicPr>
+            <a:picLocks noChangeAspect="1" noChangeArrowheads="1"/>
+          </p:cNvPicPr>
           <p:nvPr/>
-        </p:nvSpPr>
-        <p:spPr>
+        </p:nvPicPr>
+        <p:blipFill>
+          <a:blip r:embed="rId3">
+            <a:extLst>
+              <a:ext uri="{28A0092B-C50C-407E-A947-70E740481C1C}">
+                <a14:useLocalDpi xmlns:a14="http://schemas.microsoft.com/office/drawing/2010/main" val="0"/>
+              </a:ext>
+            </a:extLst>
+          </a:blip>
+          <a:srcRect/>
+          <a:stretch>
+            <a:fillRect/>
+          </a:stretch>
+        </p:blipFill>
+        <p:spPr bwMode="auto">
           <a:xfrm>
-            <a:off x="5069695" y="3748390"/>
-            <a:ext cx="1656184" cy="369332"/>
+            <a:off x="4716016" y="387042"/>
+            <a:ext cx="4176464" cy="3431126"/>
           </a:xfrm>
           <a:prstGeom prst="rect">
             <a:avLst/>
           </a:prstGeom>
           <a:noFill/>
+          <a:ln>
+            <a:noFill/>
+          </a:ln>
+          <a:extLst>
+            <a:ext uri="{909E8E84-426E-40DD-AFC4-6F175D3DCCD1}">
+              <a14:hiddenFill xmlns:a14="http://schemas.microsoft.com/office/drawing/2010/main">
+                <a:solidFill>
+                  <a:schemeClr val="accent1"/>
+                </a:solidFill>
+              </a14:hiddenFill>
+            </a:ext>
+            <a:ext uri="{91240B29-F687-4F45-9708-019B960494DF}">
+              <a14:hiddenLine xmlns:a14="http://schemas.microsoft.com/office/drawing/2010/main" w="9525">
+                <a:solidFill>
+                  <a:schemeClr val="tx1"/>
+                </a:solidFill>
+                <a:miter lim="800000"/>
+                <a:headEnd/>
+                <a:tailEnd/>
+              </a14:hiddenLine>
+            </a:ext>
+          </a:extLst>
         </p:spPr>
-        <p:txBody>
-          <a:bodyPr wrap="square" rtlCol="0">
-            <a:spAutoFit/>
-          </a:bodyPr>
-          <a:lstStyle/>
-          <a:p>
-            <a:r>
-              <a:rPr lang="nl-NL" dirty="0" smtClean="0"/>
-              <a:t>^^^^^^^^</a:t>
-            </a:r>
-            <a:endParaRPr lang="nl-NL" dirty="0"/>
-          </a:p>
-        </p:txBody>
-      </p:sp>
+      </p:pic>
     </p:spTree>
     <p:extLst>
       <p:ext uri="{BB962C8B-B14F-4D97-AF65-F5344CB8AC3E}">
@@ -3393,6 +3428,158 @@
   <p:clrMapOvr>
     <a:masterClrMapping/>
   </p:clrMapOvr>
+  <p:timing>
+    <p:tnLst>
+      <p:par>
+        <p:cTn id="1" dur="indefinite" restart="never" nodeType="tmRoot">
+          <p:childTnLst>
+            <p:seq concurrent="1" nextAc="seek">
+              <p:cTn id="2" dur="indefinite" nodeType="mainSeq">
+                <p:childTnLst>
+                  <p:par>
+                    <p:cTn id="3" fill="hold">
+                      <p:stCondLst>
+                        <p:cond delay="indefinite"/>
+                      </p:stCondLst>
+                      <p:childTnLst>
+                        <p:par>
+                          <p:cTn id="4" fill="hold">
+                            <p:stCondLst>
+                              <p:cond delay="0"/>
+                            </p:stCondLst>
+                            <p:childTnLst>
+                              <p:par>
+                                <p:cTn id="5" presetID="10" presetClass="entr" presetSubtype="0" fill="hold" nodeType="clickEffect">
+                                  <p:stCondLst>
+                                    <p:cond delay="0"/>
+                                  </p:stCondLst>
+                                  <p:childTnLst>
+                                    <p:set>
+                                      <p:cBhvr>
+                                        <p:cTn id="6" dur="1" fill="hold">
+                                          <p:stCondLst>
+                                            <p:cond delay="0"/>
+                                          </p:stCondLst>
+                                        </p:cTn>
+                                        <p:tgtEl>
+                                          <p:spTgt spid="4">
+                                            <p:txEl>
+                                              <p:pRg st="1" end="1"/>
+                                            </p:txEl>
+                                          </p:spTgt>
+                                        </p:tgtEl>
+                                        <p:attrNameLst>
+                                          <p:attrName>style.visibility</p:attrName>
+                                        </p:attrNameLst>
+                                      </p:cBhvr>
+                                      <p:to>
+                                        <p:strVal val="visible"/>
+                                      </p:to>
+                                    </p:set>
+                                    <p:animEffect transition="in" filter="fade">
+                                      <p:cBhvr>
+                                        <p:cTn id="7" dur="500"/>
+                                        <p:tgtEl>
+                                          <p:spTgt spid="4">
+                                            <p:txEl>
+                                              <p:pRg st="1" end="1"/>
+                                            </p:txEl>
+                                          </p:spTgt>
+                                        </p:tgtEl>
+                                      </p:cBhvr>
+                                    </p:animEffect>
+                                  </p:childTnLst>
+                                </p:cTn>
+                              </p:par>
+                            </p:childTnLst>
+                          </p:cTn>
+                        </p:par>
+                      </p:childTnLst>
+                    </p:cTn>
+                  </p:par>
+                  <p:par>
+                    <p:cTn id="8" fill="hold">
+                      <p:stCondLst>
+                        <p:cond delay="indefinite"/>
+                      </p:stCondLst>
+                      <p:childTnLst>
+                        <p:par>
+                          <p:cTn id="9" fill="hold">
+                            <p:stCondLst>
+                              <p:cond delay="0"/>
+                            </p:stCondLst>
+                            <p:childTnLst>
+                              <p:par>
+                                <p:cTn id="10" presetID="10" presetClass="entr" presetSubtype="0" fill="hold" nodeType="clickEffect">
+                                  <p:stCondLst>
+                                    <p:cond delay="0"/>
+                                  </p:stCondLst>
+                                  <p:childTnLst>
+                                    <p:set>
+                                      <p:cBhvr>
+                                        <p:cTn id="11" dur="1" fill="hold">
+                                          <p:stCondLst>
+                                            <p:cond delay="0"/>
+                                          </p:stCondLst>
+                                        </p:cTn>
+                                        <p:tgtEl>
+                                          <p:spTgt spid="4">
+                                            <p:txEl>
+                                              <p:pRg st="2" end="2"/>
+                                            </p:txEl>
+                                          </p:spTgt>
+                                        </p:tgtEl>
+                                        <p:attrNameLst>
+                                          <p:attrName>style.visibility</p:attrName>
+                                        </p:attrNameLst>
+                                      </p:cBhvr>
+                                      <p:to>
+                                        <p:strVal val="visible"/>
+                                      </p:to>
+                                    </p:set>
+                                    <p:animEffect transition="in" filter="fade">
+                                      <p:cBhvr>
+                                        <p:cTn id="12" dur="500"/>
+                                        <p:tgtEl>
+                                          <p:spTgt spid="4">
+                                            <p:txEl>
+                                              <p:pRg st="2" end="2"/>
+                                            </p:txEl>
+                                          </p:spTgt>
+                                        </p:tgtEl>
+                                      </p:cBhvr>
+                                    </p:animEffect>
+                                  </p:childTnLst>
+                                </p:cTn>
+                              </p:par>
+                            </p:childTnLst>
+                          </p:cTn>
+                        </p:par>
+                      </p:childTnLst>
+                    </p:cTn>
+                  </p:par>
+                </p:childTnLst>
+              </p:cTn>
+              <p:prevCondLst>
+                <p:cond evt="onPrev" delay="0">
+                  <p:tgtEl>
+                    <p:sldTgt/>
+                  </p:tgtEl>
+                </p:cond>
+              </p:prevCondLst>
+              <p:nextCondLst>
+                <p:cond evt="onNext" delay="0">
+                  <p:tgtEl>
+                    <p:sldTgt/>
+                  </p:tgtEl>
+                </p:cond>
+              </p:nextCondLst>
+            </p:seq>
+          </p:childTnLst>
+        </p:cTn>
+      </p:par>
+    </p:tnLst>
+  </p:timing>
 </p:sld>
 </file>
 
@@ -3562,17 +3749,71 @@
               <a:t>Tabbladen kunnen onzichtbaar, onverwerkbaar zijn, </a:t>
             </a:r>
             <a:r>
-              <a:rPr lang="nl-NL" dirty="0" err="1" smtClean="0"/>
-              <a:t>afhangkelijk</a:t>
-            </a:r>
-            <a:r>
               <a:rPr lang="nl-NL" dirty="0" smtClean="0"/>
-              <a:t> van afdeling </a:t>
+              <a:t>afhankelijk </a:t>
+            </a:r>
+            <a:r>
+              <a:rPr lang="nl-NL" dirty="0" smtClean="0"/>
+              <a:t>van afdeling </a:t>
             </a:r>
             <a:endParaRPr lang="nl-NL" dirty="0"/>
           </a:p>
         </p:txBody>
       </p:sp>
+      <p:pic>
+        <p:nvPicPr>
+          <p:cNvPr id="3" name="Picture 2"/>
+          <p:cNvPicPr>
+            <a:picLocks noChangeAspect="1" noChangeArrowheads="1"/>
+          </p:cNvPicPr>
+          <p:nvPr/>
+        </p:nvPicPr>
+        <p:blipFill>
+          <a:blip r:embed="rId3">
+            <a:extLst>
+              <a:ext uri="{28A0092B-C50C-407E-A947-70E740481C1C}">
+                <a14:useLocalDpi xmlns:a14="http://schemas.microsoft.com/office/drawing/2010/main" val="0"/>
+              </a:ext>
+            </a:extLst>
+          </a:blip>
+          <a:srcRect/>
+          <a:stretch>
+            <a:fillRect/>
+          </a:stretch>
+        </p:blipFill>
+        <p:spPr bwMode="auto">
+          <a:xfrm>
+            <a:off x="1053221" y="2884748"/>
+            <a:ext cx="6479886" cy="512440"/>
+          </a:xfrm>
+          <a:prstGeom prst="rect">
+            <a:avLst/>
+          </a:prstGeom>
+          <a:noFill/>
+          <a:ln>
+            <a:noFill/>
+          </a:ln>
+          <a:extLst>
+            <a:ext uri="{909E8E84-426E-40DD-AFC4-6F175D3DCCD1}">
+              <a14:hiddenFill xmlns:a14="http://schemas.microsoft.com/office/drawing/2010/main">
+                <a:solidFill>
+                  <a:schemeClr val="accent1"/>
+                </a:solidFill>
+              </a14:hiddenFill>
+            </a:ext>
+            <a:ext uri="{91240B29-F687-4F45-9708-019B960494DF}">
+              <a14:hiddenLine xmlns:a14="http://schemas.microsoft.com/office/drawing/2010/main" w="9525">
+                <a:solidFill>
+                  <a:schemeClr val="tx1"/>
+                </a:solidFill>
+                <a:miter lim="800000"/>
+                <a:headEnd/>
+                <a:tailEnd/>
+              </a14:hiddenLine>
+            </a:ext>
+          </a:extLst>
+        </p:spPr>
+      </p:pic>
     </p:spTree>
     <p:extLst>
       <p:ext uri="{BB962C8B-B14F-4D97-AF65-F5344CB8AC3E}">
@@ -3583,6 +3824,97 @@
   <p:clrMapOvr>
     <a:masterClrMapping/>
   </p:clrMapOvr>
+  <p:timing>
+    <p:tnLst>
+      <p:par>
+        <p:cTn id="1" dur="indefinite" restart="never" nodeType="tmRoot">
+          <p:childTnLst>
+            <p:seq concurrent="1" nextAc="seek">
+              <p:cTn id="2" dur="indefinite" nodeType="mainSeq">
+                <p:childTnLst>
+                  <p:par>
+                    <p:cTn id="3" fill="hold">
+                      <p:stCondLst>
+                        <p:cond delay="indefinite"/>
+                      </p:stCondLst>
+                      <p:childTnLst>
+                        <p:par>
+                          <p:cTn id="4" fill="hold">
+                            <p:stCondLst>
+                              <p:cond delay="0"/>
+                            </p:stCondLst>
+                            <p:childTnLst>
+                              <p:par>
+                                <p:cTn id="5" presetID="10" presetClass="entr" presetSubtype="0" fill="hold" nodeType="clickEffect">
+                                  <p:stCondLst>
+                                    <p:cond delay="0"/>
+                                  </p:stCondLst>
+                                  <p:childTnLst>
+                                    <p:set>
+                                      <p:cBhvr>
+                                        <p:cTn id="6" dur="1" fill="hold">
+                                          <p:stCondLst>
+                                            <p:cond delay="0"/>
+                                          </p:stCondLst>
+                                        </p:cTn>
+                                        <p:tgtEl>
+                                          <p:spTgt spid="6">
+                                            <p:txEl>
+                                              <p:pRg st="1" end="1"/>
+                                            </p:txEl>
+                                          </p:spTgt>
+                                        </p:tgtEl>
+                                        <p:attrNameLst>
+                                          <p:attrName>style.visibility</p:attrName>
+                                        </p:attrNameLst>
+                                      </p:cBhvr>
+                                      <p:to>
+                                        <p:strVal val="visible"/>
+                                      </p:to>
+                                    </p:set>
+                                    <p:animEffect transition="in" filter="fade">
+                                      <p:cBhvr>
+                                        <p:cTn id="7" dur="500"/>
+                                        <p:tgtEl>
+                                          <p:spTgt spid="6">
+                                            <p:txEl>
+                                              <p:pRg st="1" end="1"/>
+                                            </p:txEl>
+                                          </p:spTgt>
+                                        </p:tgtEl>
+                                      </p:cBhvr>
+                                    </p:animEffect>
+                                  </p:childTnLst>
+                                </p:cTn>
+                              </p:par>
+                            </p:childTnLst>
+                          </p:cTn>
+                        </p:par>
+                      </p:childTnLst>
+                    </p:cTn>
+                  </p:par>
+                </p:childTnLst>
+              </p:cTn>
+              <p:prevCondLst>
+                <p:cond evt="onPrev" delay="0">
+                  <p:tgtEl>
+                    <p:sldTgt/>
+                  </p:tgtEl>
+                </p:cond>
+              </p:prevCondLst>
+              <p:nextCondLst>
+                <p:cond evt="onNext" delay="0">
+                  <p:tgtEl>
+                    <p:sldTgt/>
+                  </p:tgtEl>
+                </p:cond>
+              </p:nextCondLst>
+            </p:seq>
+          </p:childTnLst>
+        </p:cTn>
+      </p:par>
+    </p:tnLst>
+  </p:timing>
 </p:sld>
 </file>
 
@@ -3725,6 +4057,60 @@
           </a:p>
         </p:txBody>
       </p:sp>
+      <p:pic>
+        <p:nvPicPr>
+          <p:cNvPr id="3" name="Picture 2"/>
+          <p:cNvPicPr>
+            <a:picLocks noChangeAspect="1" noChangeArrowheads="1"/>
+          </p:cNvPicPr>
+          <p:nvPr/>
+        </p:nvPicPr>
+        <p:blipFill>
+          <a:blip r:embed="rId3">
+            <a:extLst>
+              <a:ext uri="{28A0092B-C50C-407E-A947-70E740481C1C}">
+                <a14:useLocalDpi xmlns:a14="http://schemas.microsoft.com/office/drawing/2010/main" val="0"/>
+              </a:ext>
+            </a:extLst>
+          </a:blip>
+          <a:srcRect/>
+          <a:stretch>
+            <a:fillRect/>
+          </a:stretch>
+        </p:blipFill>
+        <p:spPr bwMode="auto">
+          <a:xfrm>
+            <a:off x="6459371" y="1340767"/>
+            <a:ext cx="2394371" cy="2394371"/>
+          </a:xfrm>
+          <a:prstGeom prst="rect">
+            <a:avLst/>
+          </a:prstGeom>
+          <a:noFill/>
+          <a:ln>
+            <a:noFill/>
+          </a:ln>
+          <a:extLst>
+            <a:ext uri="{909E8E84-426E-40DD-AFC4-6F175D3DCCD1}">
+              <a14:hiddenFill xmlns:a14="http://schemas.microsoft.com/office/drawing/2010/main">
+                <a:solidFill>
+                  <a:schemeClr val="accent1"/>
+                </a:solidFill>
+              </a14:hiddenFill>
+            </a:ext>
+            <a:ext uri="{91240B29-F687-4F45-9708-019B960494DF}">
+              <a14:hiddenLine xmlns:a14="http://schemas.microsoft.com/office/drawing/2010/main" w="9525">
+                <a:solidFill>
+                  <a:schemeClr val="tx1"/>
+                </a:solidFill>
+                <a:miter lim="800000"/>
+                <a:headEnd/>
+                <a:tailEnd/>
+              </a14:hiddenLine>
+            </a:ext>
+          </a:extLst>
+        </p:spPr>
+      </p:pic>
     </p:spTree>
     <p:extLst>
       <p:ext uri="{BB962C8B-B14F-4D97-AF65-F5344CB8AC3E}">
@@ -3735,6 +4121,97 @@
   <p:clrMapOvr>
     <a:masterClrMapping/>
   </p:clrMapOvr>
+  <p:timing>
+    <p:tnLst>
+      <p:par>
+        <p:cTn id="1" dur="indefinite" restart="never" nodeType="tmRoot">
+          <p:childTnLst>
+            <p:seq concurrent="1" nextAc="seek">
+              <p:cTn id="2" dur="indefinite" nodeType="mainSeq">
+                <p:childTnLst>
+                  <p:par>
+                    <p:cTn id="3" fill="hold">
+                      <p:stCondLst>
+                        <p:cond delay="indefinite"/>
+                      </p:stCondLst>
+                      <p:childTnLst>
+                        <p:par>
+                          <p:cTn id="4" fill="hold">
+                            <p:stCondLst>
+                              <p:cond delay="0"/>
+                            </p:stCondLst>
+                            <p:childTnLst>
+                              <p:par>
+                                <p:cTn id="5" presetID="10" presetClass="entr" presetSubtype="0" fill="hold" nodeType="clickEffect">
+                                  <p:stCondLst>
+                                    <p:cond delay="0"/>
+                                  </p:stCondLst>
+                                  <p:childTnLst>
+                                    <p:set>
+                                      <p:cBhvr>
+                                        <p:cTn id="6" dur="1" fill="hold">
+                                          <p:stCondLst>
+                                            <p:cond delay="0"/>
+                                          </p:stCondLst>
+                                        </p:cTn>
+                                        <p:tgtEl>
+                                          <p:spTgt spid="5">
+                                            <p:txEl>
+                                              <p:pRg st="1" end="1"/>
+                                            </p:txEl>
+                                          </p:spTgt>
+                                        </p:tgtEl>
+                                        <p:attrNameLst>
+                                          <p:attrName>style.visibility</p:attrName>
+                                        </p:attrNameLst>
+                                      </p:cBhvr>
+                                      <p:to>
+                                        <p:strVal val="visible"/>
+                                      </p:to>
+                                    </p:set>
+                                    <p:animEffect transition="in" filter="fade">
+                                      <p:cBhvr>
+                                        <p:cTn id="7" dur="500"/>
+                                        <p:tgtEl>
+                                          <p:spTgt spid="5">
+                                            <p:txEl>
+                                              <p:pRg st="1" end="1"/>
+                                            </p:txEl>
+                                          </p:spTgt>
+                                        </p:tgtEl>
+                                      </p:cBhvr>
+                                    </p:animEffect>
+                                  </p:childTnLst>
+                                </p:cTn>
+                              </p:par>
+                            </p:childTnLst>
+                          </p:cTn>
+                        </p:par>
+                      </p:childTnLst>
+                    </p:cTn>
+                  </p:par>
+                </p:childTnLst>
+              </p:cTn>
+              <p:prevCondLst>
+                <p:cond evt="onPrev" delay="0">
+                  <p:tgtEl>
+                    <p:sldTgt/>
+                  </p:tgtEl>
+                </p:cond>
+              </p:prevCondLst>
+              <p:nextCondLst>
+                <p:cond evt="onNext" delay="0">
+                  <p:tgtEl>
+                    <p:sldTgt/>
+                  </p:tgtEl>
+                </p:cond>
+              </p:nextCondLst>
+            </p:seq>
+          </p:childTnLst>
+        </p:cTn>
+      </p:par>
+    </p:tnLst>
+  </p:timing>
 </p:sld>
 </file>
 
@@ -3866,7 +4343,23 @@
             </a:r>
             <a:r>
               <a:rPr lang="nl-NL" dirty="0" smtClean="0"/>
-              <a:t> velden</a:t>
+              <a:t> </a:t>
+            </a:r>
+            <a:r>
+              <a:rPr lang="nl-NL" dirty="0" err="1" smtClean="0"/>
+              <a:t>textboxen</a:t>
+            </a:r>
+            <a:r>
+              <a:rPr lang="nl-NL" dirty="0" smtClean="0"/>
+              <a:t> en </a:t>
+            </a:r>
+            <a:r>
+              <a:rPr lang="nl-NL" dirty="0" err="1" smtClean="0"/>
+              <a:t>dropdown</a:t>
+            </a:r>
+            <a:r>
+              <a:rPr lang="nl-NL" dirty="0" smtClean="0"/>
+              <a:t> box</a:t>
             </a:r>
           </a:p>
           <a:p>
@@ -3876,9 +4369,16 @@
             </a:pPr>
             <a:r>
               <a:rPr lang="nl-NL" dirty="0" smtClean="0"/>
-              <a:t>Nodige vensters</a:t>
-            </a:r>
-            <a:endParaRPr lang="nl-NL" dirty="0"/>
+              <a:t>Verplichte </a:t>
+            </a:r>
+            <a:r>
+              <a:rPr lang="nl-NL" dirty="0"/>
+              <a:t>v</a:t>
+            </a:r>
+            <a:r>
+              <a:rPr lang="nl-NL" dirty="0" smtClean="0"/>
+              <a:t>elden</a:t>
+            </a:r>
           </a:p>
           <a:p>
             <a:pPr marL="285750" indent="-285750">
@@ -3891,76 +4391,25 @@
             </a:r>
             <a:r>
               <a:rPr lang="nl-NL" dirty="0" smtClean="0"/>
-              <a:t> venster</a:t>
-            </a:r>
-          </a:p>
-        </p:txBody>
-      </p:sp>
-    </p:spTree>
-    <p:extLst>
-      <p:ext uri="{BB962C8B-B14F-4D97-AF65-F5344CB8AC3E}">
-        <p14:creationId xmlns:p14="http://schemas.microsoft.com/office/powerpoint/2010/main" val="3602118463"/>
-      </p:ext>
-    </p:extLst>
-  </p:cSld>
-  <p:clrMapOvr>
-    <a:masterClrMapping/>
-  </p:clrMapOvr>
-</p:sld>
-</file>
-
-<file path=ppt/slides/slide6.xml><?xml version="1.0" encoding="utf-8"?>
-<p:sld xmlns:a="http://schemas.openxmlformats.org/drawingml/2006/main" xmlns:r="http://schemas.openxmlformats.org/officeDocument/2006/relationships" xmlns:p="http://schemas.openxmlformats.org/presentationml/2006/main">
-  <p:cSld>
-    <p:spTree>
-      <p:nvGrpSpPr>
-        <p:cNvPr id="1" name=""/>
-        <p:cNvGrpSpPr/>
-        <p:nvPr/>
-      </p:nvGrpSpPr>
-      <p:grpSpPr>
-        <a:xfrm>
-          <a:off x="0" y="0"/>
-          <a:ext cx="0" cy="0"/>
-          <a:chOff x="0" y="0"/>
-          <a:chExt cx="0" cy="0"/>
-        </a:xfrm>
-      </p:grpSpPr>
-      <p:sp>
-        <p:nvSpPr>
-          <p:cNvPr id="2" name="Titel 1"/>
-          <p:cNvSpPr>
-            <a:spLocks noGrp="1"/>
-          </p:cNvSpPr>
-          <p:nvPr>
-            <p:ph type="title"/>
-          </p:nvPr>
-        </p:nvSpPr>
-        <p:spPr/>
-        <p:txBody>
-          <a:bodyPr>
-            <a:normAutofit/>
-          </a:bodyPr>
-          <a:lstStyle/>
-          <a:p>
+              <a:t> </a:t>
+            </a:r>
             <a:r>
               <a:rPr lang="nl-NL" dirty="0" smtClean="0"/>
-              <a:t>Facturen, projecten en afspraken</a:t>
-            </a:r>
-            <a:endParaRPr lang="nl-NL" dirty="0"/>
+              <a:t>venster</a:t>
+            </a:r>
           </a:p>
         </p:txBody>
       </p:sp>
       <p:pic>
         <p:nvPicPr>
-          <p:cNvPr id="5125" name="Picture 5"/>
+          <p:cNvPr id="3" name="Picture 2"/>
           <p:cNvPicPr>
             <a:picLocks noChangeAspect="1" noChangeArrowheads="1"/>
           </p:cNvPicPr>
           <p:nvPr/>
         </p:nvPicPr>
         <p:blipFill>
-          <a:blip r:embed="rId2">
+          <a:blip r:embed="rId3">
             <a:extLst>
               <a:ext uri="{28A0092B-C50C-407E-A947-70E740481C1C}">
                 <a14:useLocalDpi xmlns:a14="http://schemas.microsoft.com/office/drawing/2010/main" val="0"/>
@@ -3974,8 +4423,8 @@
         </p:blipFill>
         <p:spPr bwMode="auto">
           <a:xfrm>
-            <a:off x="477412" y="4288945"/>
-            <a:ext cx="8239125" cy="1695450"/>
+            <a:off x="5102978" y="1268760"/>
+            <a:ext cx="3464536" cy="5400600"/>
           </a:xfrm>
           <a:prstGeom prst="rect">
             <a:avLst/>
@@ -4005,6 +4454,213 @@
           </a:extLst>
         </p:spPr>
       </p:pic>
+    </p:spTree>
+    <p:extLst>
+      <p:ext uri="{BB962C8B-B14F-4D97-AF65-F5344CB8AC3E}">
+        <p14:creationId xmlns:p14="http://schemas.microsoft.com/office/powerpoint/2010/main" val="3602118463"/>
+      </p:ext>
+    </p:extLst>
+  </p:cSld>
+  <p:clrMapOvr>
+    <a:masterClrMapping/>
+  </p:clrMapOvr>
+  <p:timing>
+    <p:tnLst>
+      <p:par>
+        <p:cTn id="1" dur="indefinite" restart="never" nodeType="tmRoot">
+          <p:childTnLst>
+            <p:seq concurrent="1" nextAc="seek">
+              <p:cTn id="2" dur="indefinite" nodeType="mainSeq">
+                <p:childTnLst>
+                  <p:par>
+                    <p:cTn id="3" fill="hold">
+                      <p:stCondLst>
+                        <p:cond delay="indefinite"/>
+                      </p:stCondLst>
+                      <p:childTnLst>
+                        <p:par>
+                          <p:cTn id="4" fill="hold">
+                            <p:stCondLst>
+                              <p:cond delay="0"/>
+                            </p:stCondLst>
+                            <p:childTnLst>
+                              <p:par>
+                                <p:cTn id="5" presetID="10" presetClass="entr" presetSubtype="0" fill="hold" nodeType="clickEffect">
+                                  <p:stCondLst>
+                                    <p:cond delay="0"/>
+                                  </p:stCondLst>
+                                  <p:childTnLst>
+                                    <p:set>
+                                      <p:cBhvr>
+                                        <p:cTn id="6" dur="1" fill="hold">
+                                          <p:stCondLst>
+                                            <p:cond delay="0"/>
+                                          </p:stCondLst>
+                                        </p:cTn>
+                                        <p:tgtEl>
+                                          <p:spTgt spid="5">
+                                            <p:txEl>
+                                              <p:pRg st="1" end="1"/>
+                                            </p:txEl>
+                                          </p:spTgt>
+                                        </p:tgtEl>
+                                        <p:attrNameLst>
+                                          <p:attrName>style.visibility</p:attrName>
+                                        </p:attrNameLst>
+                                      </p:cBhvr>
+                                      <p:to>
+                                        <p:strVal val="visible"/>
+                                      </p:to>
+                                    </p:set>
+                                    <p:animEffect transition="in" filter="fade">
+                                      <p:cBhvr>
+                                        <p:cTn id="7" dur="500"/>
+                                        <p:tgtEl>
+                                          <p:spTgt spid="5">
+                                            <p:txEl>
+                                              <p:pRg st="1" end="1"/>
+                                            </p:txEl>
+                                          </p:spTgt>
+                                        </p:tgtEl>
+                                      </p:cBhvr>
+                                    </p:animEffect>
+                                  </p:childTnLst>
+                                </p:cTn>
+                              </p:par>
+                            </p:childTnLst>
+                          </p:cTn>
+                        </p:par>
+                      </p:childTnLst>
+                    </p:cTn>
+                  </p:par>
+                  <p:par>
+                    <p:cTn id="8" fill="hold">
+                      <p:stCondLst>
+                        <p:cond delay="indefinite"/>
+                      </p:stCondLst>
+                      <p:childTnLst>
+                        <p:par>
+                          <p:cTn id="9" fill="hold">
+                            <p:stCondLst>
+                              <p:cond delay="0"/>
+                            </p:stCondLst>
+                            <p:childTnLst>
+                              <p:par>
+                                <p:cTn id="10" presetID="10" presetClass="entr" presetSubtype="0" fill="hold" nodeType="clickEffect">
+                                  <p:stCondLst>
+                                    <p:cond delay="0"/>
+                                  </p:stCondLst>
+                                  <p:childTnLst>
+                                    <p:set>
+                                      <p:cBhvr>
+                                        <p:cTn id="11" dur="1" fill="hold">
+                                          <p:stCondLst>
+                                            <p:cond delay="0"/>
+                                          </p:stCondLst>
+                                        </p:cTn>
+                                        <p:tgtEl>
+                                          <p:spTgt spid="5">
+                                            <p:txEl>
+                                              <p:pRg st="2" end="2"/>
+                                            </p:txEl>
+                                          </p:spTgt>
+                                        </p:tgtEl>
+                                        <p:attrNameLst>
+                                          <p:attrName>style.visibility</p:attrName>
+                                        </p:attrNameLst>
+                                      </p:cBhvr>
+                                      <p:to>
+                                        <p:strVal val="visible"/>
+                                      </p:to>
+                                    </p:set>
+                                    <p:animEffect transition="in" filter="fade">
+                                      <p:cBhvr>
+                                        <p:cTn id="12" dur="500"/>
+                                        <p:tgtEl>
+                                          <p:spTgt spid="5">
+                                            <p:txEl>
+                                              <p:pRg st="2" end="2"/>
+                                            </p:txEl>
+                                          </p:spTgt>
+                                        </p:tgtEl>
+                                      </p:cBhvr>
+                                    </p:animEffect>
+                                  </p:childTnLst>
+                                </p:cTn>
+                              </p:par>
+                            </p:childTnLst>
+                          </p:cTn>
+                        </p:par>
+                      </p:childTnLst>
+                    </p:cTn>
+                  </p:par>
+                </p:childTnLst>
+              </p:cTn>
+              <p:prevCondLst>
+                <p:cond evt="onPrev" delay="0">
+                  <p:tgtEl>
+                    <p:sldTgt/>
+                  </p:tgtEl>
+                </p:cond>
+              </p:prevCondLst>
+              <p:nextCondLst>
+                <p:cond evt="onNext" delay="0">
+                  <p:tgtEl>
+                    <p:sldTgt/>
+                  </p:tgtEl>
+                </p:cond>
+              </p:nextCondLst>
+            </p:seq>
+          </p:childTnLst>
+        </p:cTn>
+      </p:par>
+    </p:tnLst>
+  </p:timing>
+</p:sld>
+</file>
+
+<file path=ppt/slides/slide6.xml><?xml version="1.0" encoding="utf-8"?>
+<p:sld xmlns:a="http://schemas.openxmlformats.org/drawingml/2006/main" xmlns:r="http://schemas.openxmlformats.org/officeDocument/2006/relationships" xmlns:p="http://schemas.openxmlformats.org/presentationml/2006/main">
+  <p:cSld>
+    <p:spTree>
+      <p:nvGrpSpPr>
+        <p:cNvPr id="1" name=""/>
+        <p:cNvGrpSpPr/>
+        <p:nvPr/>
+      </p:nvGrpSpPr>
+      <p:grpSpPr>
+        <a:xfrm>
+          <a:off x="0" y="0"/>
+          <a:ext cx="0" cy="0"/>
+          <a:chOff x="0" y="0"/>
+          <a:chExt cx="0" cy="0"/>
+        </a:xfrm>
+      </p:grpSpPr>
+      <p:sp>
+        <p:nvSpPr>
+          <p:cNvPr id="2" name="Titel 1"/>
+          <p:cNvSpPr>
+            <a:spLocks noGrp="1"/>
+          </p:cNvSpPr>
+          <p:nvPr>
+            <p:ph type="title"/>
+          </p:nvPr>
+        </p:nvSpPr>
+        <p:spPr/>
+        <p:txBody>
+          <a:bodyPr>
+            <a:normAutofit/>
+          </a:bodyPr>
+          <a:lstStyle/>
+          <a:p>
+            <a:r>
+              <a:rPr lang="nl-NL" dirty="0" smtClean="0"/>
+              <a:t>Facturen, projecten en afspraken</a:t>
+            </a:r>
+            <a:endParaRPr lang="nl-NL" dirty="0"/>
+          </a:p>
+        </p:txBody>
+      </p:sp>
       <p:sp>
         <p:nvSpPr>
           <p:cNvPr id="8" name="Tekstvak 7"/>
@@ -4036,8 +4692,8 @@
               <a:t>Selecteer klant voordat je </a:t>
             </a:r>
             <a:r>
-              <a:rPr lang="nl-NL" dirty="0" err="1" smtClean="0"/>
-              <a:t>toevoegd</a:t>
+              <a:rPr lang="nl-NL" dirty="0" smtClean="0"/>
+              <a:t>toevoegt</a:t>
             </a:r>
             <a:endParaRPr lang="nl-NL" dirty="0" smtClean="0"/>
           </a:p>
@@ -4047,12 +4703,66 @@
               <a:buChar char="•"/>
             </a:pPr>
             <a:r>
-              <a:rPr lang="nl-NL" smtClean="0"/>
-              <a:t>Kalender</a:t>
-            </a:r>
-          </a:p>
-        </p:txBody>
-      </p:sp>
+              <a:rPr lang="nl-NL" dirty="0" smtClean="0"/>
+              <a:t>Kalender optie</a:t>
+            </a:r>
+          </a:p>
+        </p:txBody>
+      </p:sp>
+      <p:pic>
+        <p:nvPicPr>
+          <p:cNvPr id="5123" name="Picture 3"/>
+          <p:cNvPicPr>
+            <a:picLocks noChangeAspect="1" noChangeArrowheads="1"/>
+          </p:cNvPicPr>
+          <p:nvPr/>
+        </p:nvPicPr>
+        <p:blipFill>
+          <a:blip r:embed="rId2">
+            <a:extLst>
+              <a:ext uri="{28A0092B-C50C-407E-A947-70E740481C1C}">
+                <a14:useLocalDpi xmlns:a14="http://schemas.microsoft.com/office/drawing/2010/main" val="0"/>
+              </a:ext>
+            </a:extLst>
+          </a:blip>
+          <a:srcRect/>
+          <a:stretch>
+            <a:fillRect/>
+          </a:stretch>
+        </p:blipFill>
+        <p:spPr bwMode="auto">
+          <a:xfrm>
+            <a:off x="114730" y="4419496"/>
+            <a:ext cx="8964488" cy="1564899"/>
+          </a:xfrm>
+          <a:prstGeom prst="rect">
+            <a:avLst/>
+          </a:prstGeom>
+          <a:noFill/>
+          <a:ln>
+            <a:noFill/>
+          </a:ln>
+          <a:extLst>
+            <a:ext uri="{909E8E84-426E-40DD-AFC4-6F175D3DCCD1}">
+              <a14:hiddenFill xmlns:a14="http://schemas.microsoft.com/office/drawing/2010/main">
+                <a:solidFill>
+                  <a:schemeClr val="accent1"/>
+                </a:solidFill>
+              </a14:hiddenFill>
+            </a:ext>
+            <a:ext uri="{91240B29-F687-4F45-9708-019B960494DF}">
+              <a14:hiddenLine xmlns:a14="http://schemas.microsoft.com/office/drawing/2010/main" w="9525">
+                <a:solidFill>
+                  <a:schemeClr val="tx1"/>
+                </a:solidFill>
+                <a:miter lim="800000"/>
+                <a:headEnd/>
+                <a:tailEnd/>
+              </a14:hiddenLine>
+            </a:ext>
+          </a:extLst>
+        </p:spPr>
+      </p:pic>
     </p:spTree>
     <p:extLst>
       <p:ext uri="{BB962C8B-B14F-4D97-AF65-F5344CB8AC3E}">
@@ -4063,6 +4773,97 @@
   <p:clrMapOvr>
     <a:masterClrMapping/>
   </p:clrMapOvr>
+  <p:timing>
+    <p:tnLst>
+      <p:par>
+        <p:cTn id="1" dur="indefinite" restart="never" nodeType="tmRoot">
+          <p:childTnLst>
+            <p:seq concurrent="1" nextAc="seek">
+              <p:cTn id="2" dur="indefinite" nodeType="mainSeq">
+                <p:childTnLst>
+                  <p:par>
+                    <p:cTn id="3" fill="hold">
+                      <p:stCondLst>
+                        <p:cond delay="indefinite"/>
+                      </p:stCondLst>
+                      <p:childTnLst>
+                        <p:par>
+                          <p:cTn id="4" fill="hold">
+                            <p:stCondLst>
+                              <p:cond delay="0"/>
+                            </p:stCondLst>
+                            <p:childTnLst>
+                              <p:par>
+                                <p:cTn id="5" presetID="10" presetClass="entr" presetSubtype="0" fill="hold" nodeType="clickEffect">
+                                  <p:stCondLst>
+                                    <p:cond delay="0"/>
+                                  </p:stCondLst>
+                                  <p:childTnLst>
+                                    <p:set>
+                                      <p:cBhvr>
+                                        <p:cTn id="6" dur="1" fill="hold">
+                                          <p:stCondLst>
+                                            <p:cond delay="0"/>
+                                          </p:stCondLst>
+                                        </p:cTn>
+                                        <p:tgtEl>
+                                          <p:spTgt spid="8">
+                                            <p:txEl>
+                                              <p:pRg st="1" end="1"/>
+                                            </p:txEl>
+                                          </p:spTgt>
+                                        </p:tgtEl>
+                                        <p:attrNameLst>
+                                          <p:attrName>style.visibility</p:attrName>
+                                        </p:attrNameLst>
+                                      </p:cBhvr>
+                                      <p:to>
+                                        <p:strVal val="visible"/>
+                                      </p:to>
+                                    </p:set>
+                                    <p:animEffect transition="in" filter="fade">
+                                      <p:cBhvr>
+                                        <p:cTn id="7" dur="500"/>
+                                        <p:tgtEl>
+                                          <p:spTgt spid="8">
+                                            <p:txEl>
+                                              <p:pRg st="1" end="1"/>
+                                            </p:txEl>
+                                          </p:spTgt>
+                                        </p:tgtEl>
+                                      </p:cBhvr>
+                                    </p:animEffect>
+                                  </p:childTnLst>
+                                </p:cTn>
+                              </p:par>
+                            </p:childTnLst>
+                          </p:cTn>
+                        </p:par>
+                      </p:childTnLst>
+                    </p:cTn>
+                  </p:par>
+                </p:childTnLst>
+              </p:cTn>
+              <p:prevCondLst>
+                <p:cond evt="onPrev" delay="0">
+                  <p:tgtEl>
+                    <p:sldTgt/>
+                  </p:tgtEl>
+                </p:cond>
+              </p:prevCondLst>
+              <p:nextCondLst>
+                <p:cond evt="onNext" delay="0">
+                  <p:tgtEl>
+                    <p:sldTgt/>
+                  </p:tgtEl>
+                </p:cond>
+              </p:nextCondLst>
+            </p:seq>
+          </p:childTnLst>
+        </p:cTn>
+      </p:par>
+    </p:tnLst>
+  </p:timing>
 </p:sld>
 </file>
 
